--- a/모니터 불량 분류/qr예시.pptx
+++ b/모니터 불량 분류/qr예시.pptx
@@ -7,7 +7,8 @@
   <p:sldIdLst>
     <p:sldId id="256" r:id="rId2"/>
     <p:sldId id="257" r:id="rId3"/>
-    <p:sldId id="258" r:id="rId4"/>
+    <p:sldId id="259" r:id="rId4"/>
+    <p:sldId id="258" r:id="rId5"/>
   </p:sldIdLst>
   <p:sldSz cx="12192000" cy="6858000"/>
   <p:notesSz cx="6858000" cy="9144000"/>
@@ -106,6 +107,11 @@
       </a:defRPr>
     </a:lvl9pPr>
   </p:defaultTextStyle>
+  <p:extLst>
+    <p:ext uri="{EFAFB233-063F-42B5-8137-9DF3F51BA10A}">
+      <p15:sldGuideLst xmlns:p15="http://schemas.microsoft.com/office/powerpoint/2012/main"/>
+    </p:ext>
+  </p:extLst>
 </p:presentation>
 </file>
 
@@ -240,7 +246,7 @@
           <a:p>
             <a:fld id="{C36A8548-C40B-431F-8FF2-7C56CEE99898}" type="datetimeFigureOut">
               <a:rPr lang="ko-KR" altLang="en-US" smtClean="0"/>
-              <a:t>2022-11-18</a:t>
+              <a:t>2022-12-08</a:t>
             </a:fld>
             <a:endParaRPr lang="ko-KR" altLang="en-US"/>
           </a:p>
@@ -410,7 +416,7 @@
           <a:p>
             <a:fld id="{C36A8548-C40B-431F-8FF2-7C56CEE99898}" type="datetimeFigureOut">
               <a:rPr lang="ko-KR" altLang="en-US" smtClean="0"/>
-              <a:t>2022-11-18</a:t>
+              <a:t>2022-12-08</a:t>
             </a:fld>
             <a:endParaRPr lang="ko-KR" altLang="en-US"/>
           </a:p>
@@ -590,7 +596,7 @@
           <a:p>
             <a:fld id="{C36A8548-C40B-431F-8FF2-7C56CEE99898}" type="datetimeFigureOut">
               <a:rPr lang="ko-KR" altLang="en-US" smtClean="0"/>
-              <a:t>2022-11-18</a:t>
+              <a:t>2022-12-08</a:t>
             </a:fld>
             <a:endParaRPr lang="ko-KR" altLang="en-US"/>
           </a:p>
@@ -760,7 +766,7 @@
           <a:p>
             <a:fld id="{C36A8548-C40B-431F-8FF2-7C56CEE99898}" type="datetimeFigureOut">
               <a:rPr lang="ko-KR" altLang="en-US" smtClean="0"/>
-              <a:t>2022-11-18</a:t>
+              <a:t>2022-12-08</a:t>
             </a:fld>
             <a:endParaRPr lang="ko-KR" altLang="en-US"/>
           </a:p>
@@ -1006,7 +1012,7 @@
           <a:p>
             <a:fld id="{C36A8548-C40B-431F-8FF2-7C56CEE99898}" type="datetimeFigureOut">
               <a:rPr lang="ko-KR" altLang="en-US" smtClean="0"/>
-              <a:t>2022-11-18</a:t>
+              <a:t>2022-12-08</a:t>
             </a:fld>
             <a:endParaRPr lang="ko-KR" altLang="en-US"/>
           </a:p>
@@ -1238,7 +1244,7 @@
           <a:p>
             <a:fld id="{C36A8548-C40B-431F-8FF2-7C56CEE99898}" type="datetimeFigureOut">
               <a:rPr lang="ko-KR" altLang="en-US" smtClean="0"/>
-              <a:t>2022-11-18</a:t>
+              <a:t>2022-12-08</a:t>
             </a:fld>
             <a:endParaRPr lang="ko-KR" altLang="en-US"/>
           </a:p>
@@ -1605,7 +1611,7 @@
           <a:p>
             <a:fld id="{C36A8548-C40B-431F-8FF2-7C56CEE99898}" type="datetimeFigureOut">
               <a:rPr lang="ko-KR" altLang="en-US" smtClean="0"/>
-              <a:t>2022-11-18</a:t>
+              <a:t>2022-12-08</a:t>
             </a:fld>
             <a:endParaRPr lang="ko-KR" altLang="en-US"/>
           </a:p>
@@ -1723,7 +1729,7 @@
           <a:p>
             <a:fld id="{C36A8548-C40B-431F-8FF2-7C56CEE99898}" type="datetimeFigureOut">
               <a:rPr lang="ko-KR" altLang="en-US" smtClean="0"/>
-              <a:t>2022-11-18</a:t>
+              <a:t>2022-12-08</a:t>
             </a:fld>
             <a:endParaRPr lang="ko-KR" altLang="en-US"/>
           </a:p>
@@ -1818,7 +1824,7 @@
           <a:p>
             <a:fld id="{C36A8548-C40B-431F-8FF2-7C56CEE99898}" type="datetimeFigureOut">
               <a:rPr lang="ko-KR" altLang="en-US" smtClean="0"/>
-              <a:t>2022-11-18</a:t>
+              <a:t>2022-12-08</a:t>
             </a:fld>
             <a:endParaRPr lang="ko-KR" altLang="en-US"/>
           </a:p>
@@ -2095,7 +2101,7 @@
           <a:p>
             <a:fld id="{C36A8548-C40B-431F-8FF2-7C56CEE99898}" type="datetimeFigureOut">
               <a:rPr lang="ko-KR" altLang="en-US" smtClean="0"/>
-              <a:t>2022-11-18</a:t>
+              <a:t>2022-12-08</a:t>
             </a:fld>
             <a:endParaRPr lang="ko-KR" altLang="en-US"/>
           </a:p>
@@ -2348,7 +2354,7 @@
           <a:p>
             <a:fld id="{C36A8548-C40B-431F-8FF2-7C56CEE99898}" type="datetimeFigureOut">
               <a:rPr lang="ko-KR" altLang="en-US" smtClean="0"/>
-              <a:t>2022-11-18</a:t>
+              <a:t>2022-12-08</a:t>
             </a:fld>
             <a:endParaRPr lang="ko-KR" altLang="en-US"/>
           </a:p>
@@ -2561,7 +2567,7 @@
           <a:p>
             <a:fld id="{C36A8548-C40B-431F-8FF2-7C56CEE99898}" type="datetimeFigureOut">
               <a:rPr lang="ko-KR" altLang="en-US" smtClean="0"/>
-              <a:t>2022-11-18</a:t>
+              <a:t>2022-12-08</a:t>
             </a:fld>
             <a:endParaRPr lang="ko-KR" altLang="en-US"/>
           </a:p>
@@ -2974,7 +2980,7 @@
         </p:nvSpPr>
         <p:spPr>
           <a:xfrm>
-            <a:off x="2718486" y="1198604"/>
+            <a:off x="675503" y="1453977"/>
             <a:ext cx="5400000" cy="2880000"/>
           </a:xfrm>
           <a:prstGeom prst="rect">
@@ -3020,7 +3026,7 @@
         </p:nvSpPr>
         <p:spPr>
           <a:xfrm>
-            <a:off x="3027452" y="1327949"/>
+            <a:off x="984469" y="1583322"/>
             <a:ext cx="4790255" cy="2148419"/>
           </a:xfrm>
           <a:prstGeom prst="rect">
@@ -3066,7 +3072,7 @@
         </p:nvSpPr>
         <p:spPr>
           <a:xfrm rot="5400000" flipH="1">
-            <a:off x="4965353" y="3119592"/>
+            <a:off x="2922370" y="3374965"/>
             <a:ext cx="906262" cy="772040"/>
           </a:xfrm>
           <a:prstGeom prst="rect">
@@ -3112,7 +3118,7 @@
         </p:nvSpPr>
         <p:spPr>
           <a:xfrm flipH="1">
-            <a:off x="4671928" y="3882074"/>
+            <a:off x="2628945" y="4137447"/>
             <a:ext cx="1493112" cy="153338"/>
           </a:xfrm>
           <a:prstGeom prst="rect">
@@ -3158,7 +3164,7 @@
         </p:nvSpPr>
         <p:spPr>
           <a:xfrm flipH="1">
-            <a:off x="3113903" y="1412232"/>
+            <a:off x="1070920" y="1667605"/>
             <a:ext cx="4613188" cy="1965282"/>
           </a:xfrm>
           <a:prstGeom prst="rect">
@@ -3204,7 +3210,7 @@
         </p:nvSpPr>
         <p:spPr>
           <a:xfrm>
-            <a:off x="3978876" y="2063578"/>
+            <a:off x="1935893" y="2318951"/>
             <a:ext cx="123567" cy="111211"/>
           </a:xfrm>
           <a:prstGeom prst="ellipse">
@@ -3242,9 +3248,239 @@
           </a:p>
         </p:txBody>
       </p:sp>
+      <p:sp>
+        <p:nvSpPr>
+          <p:cNvPr id="12" name="직사각형 11"/>
+          <p:cNvSpPr/>
+          <p:nvPr/>
+        </p:nvSpPr>
+        <p:spPr>
+          <a:xfrm>
+            <a:off x="6436035" y="1453977"/>
+            <a:ext cx="5400000" cy="2880000"/>
+          </a:xfrm>
+          <a:prstGeom prst="rect">
+            <a:avLst/>
+          </a:prstGeom>
+          <a:solidFill>
+            <a:schemeClr val="tx1"/>
+          </a:solidFill>
+          <a:ln>
+            <a:noFill/>
+          </a:ln>
+        </p:spPr>
+        <p:style>
+          <a:lnRef idx="2">
+            <a:schemeClr val="accent1">
+              <a:shade val="50000"/>
+            </a:schemeClr>
+          </a:lnRef>
+          <a:fillRef idx="1">
+            <a:schemeClr val="accent1"/>
+          </a:fillRef>
+          <a:effectRef idx="0">
+            <a:schemeClr val="accent1"/>
+          </a:effectRef>
+          <a:fontRef idx="minor">
+            <a:schemeClr val="lt1"/>
+          </a:fontRef>
+        </p:style>
+        <p:txBody>
+          <a:bodyPr rtlCol="0" anchor="ctr"/>
+          <a:lstStyle/>
+          <a:p>
+            <a:pPr algn="ctr"/>
+            <a:endParaRPr lang="ko-KR" altLang="en-US"/>
+          </a:p>
+        </p:txBody>
+      </p:sp>
+      <p:sp>
+        <p:nvSpPr>
+          <p:cNvPr id="13" name="직사각형 12"/>
+          <p:cNvSpPr/>
+          <p:nvPr/>
+        </p:nvSpPr>
+        <p:spPr>
+          <a:xfrm>
+            <a:off x="6745001" y="1583322"/>
+            <a:ext cx="4790255" cy="2148419"/>
+          </a:xfrm>
+          <a:prstGeom prst="rect">
+            <a:avLst/>
+          </a:prstGeom>
+          <a:solidFill>
+            <a:srgbClr val="FFFF00"/>
+          </a:solidFill>
+          <a:ln>
+            <a:noFill/>
+          </a:ln>
+        </p:spPr>
+        <p:style>
+          <a:lnRef idx="2">
+            <a:schemeClr val="accent1">
+              <a:shade val="50000"/>
+            </a:schemeClr>
+          </a:lnRef>
+          <a:fillRef idx="1">
+            <a:schemeClr val="accent1"/>
+          </a:fillRef>
+          <a:effectRef idx="0">
+            <a:schemeClr val="accent1"/>
+          </a:effectRef>
+          <a:fontRef idx="minor">
+            <a:schemeClr val="lt1"/>
+          </a:fontRef>
+        </p:style>
+        <p:txBody>
+          <a:bodyPr rtlCol="0" anchor="ctr"/>
+          <a:lstStyle/>
+          <a:p>
+            <a:pPr algn="ctr"/>
+            <a:endParaRPr lang="ko-KR" altLang="en-US" dirty="0"/>
+          </a:p>
+        </p:txBody>
+      </p:sp>
+      <p:sp>
+        <p:nvSpPr>
+          <p:cNvPr id="14" name="직사각형 13"/>
+          <p:cNvSpPr/>
+          <p:nvPr/>
+        </p:nvSpPr>
+        <p:spPr>
+          <a:xfrm rot="5400000" flipH="1">
+            <a:off x="8682902" y="3374965"/>
+            <a:ext cx="906262" cy="772040"/>
+          </a:xfrm>
+          <a:prstGeom prst="rect">
+            <a:avLst/>
+          </a:prstGeom>
+          <a:solidFill>
+            <a:srgbClr val="FFFF00"/>
+          </a:solidFill>
+          <a:ln>
+            <a:noFill/>
+          </a:ln>
+        </p:spPr>
+        <p:style>
+          <a:lnRef idx="2">
+            <a:schemeClr val="accent1">
+              <a:shade val="50000"/>
+            </a:schemeClr>
+          </a:lnRef>
+          <a:fillRef idx="1">
+            <a:schemeClr val="accent1"/>
+          </a:fillRef>
+          <a:effectRef idx="0">
+            <a:schemeClr val="accent1"/>
+          </a:effectRef>
+          <a:fontRef idx="minor">
+            <a:schemeClr val="lt1"/>
+          </a:fontRef>
+        </p:style>
+        <p:txBody>
+          <a:bodyPr rtlCol="0" anchor="ctr"/>
+          <a:lstStyle/>
+          <a:p>
+            <a:pPr algn="ctr"/>
+            <a:endParaRPr lang="ko-KR" altLang="en-US"/>
+          </a:p>
+        </p:txBody>
+      </p:sp>
+      <p:sp>
+        <p:nvSpPr>
+          <p:cNvPr id="15" name="직사각형 14"/>
+          <p:cNvSpPr/>
+          <p:nvPr/>
+        </p:nvSpPr>
+        <p:spPr>
+          <a:xfrm flipH="1">
+            <a:off x="8389477" y="4137447"/>
+            <a:ext cx="1493112" cy="153338"/>
+          </a:xfrm>
+          <a:prstGeom prst="rect">
+            <a:avLst/>
+          </a:prstGeom>
+          <a:solidFill>
+            <a:srgbClr val="FFFF00"/>
+          </a:solidFill>
+          <a:ln>
+            <a:noFill/>
+          </a:ln>
+        </p:spPr>
+        <p:style>
+          <a:lnRef idx="2">
+            <a:schemeClr val="accent1">
+              <a:shade val="50000"/>
+            </a:schemeClr>
+          </a:lnRef>
+          <a:fillRef idx="1">
+            <a:schemeClr val="accent1"/>
+          </a:fillRef>
+          <a:effectRef idx="0">
+            <a:schemeClr val="accent1"/>
+          </a:effectRef>
+          <a:fontRef idx="minor">
+            <a:schemeClr val="lt1"/>
+          </a:fontRef>
+        </p:style>
+        <p:txBody>
+          <a:bodyPr rtlCol="0" anchor="ctr"/>
+          <a:lstStyle/>
+          <a:p>
+            <a:pPr algn="ctr"/>
+            <a:endParaRPr lang="ko-KR" altLang="en-US"/>
+          </a:p>
+        </p:txBody>
+      </p:sp>
+      <p:sp>
+        <p:nvSpPr>
+          <p:cNvPr id="16" name="직사각형 15"/>
+          <p:cNvSpPr/>
+          <p:nvPr/>
+        </p:nvSpPr>
+        <p:spPr>
+          <a:xfrm flipH="1">
+            <a:off x="6831452" y="1667605"/>
+            <a:ext cx="4613188" cy="1965282"/>
+          </a:xfrm>
+          <a:prstGeom prst="rect">
+            <a:avLst/>
+          </a:prstGeom>
+          <a:solidFill>
+            <a:schemeClr val="tx1"/>
+          </a:solidFill>
+          <a:ln>
+            <a:noFill/>
+          </a:ln>
+        </p:spPr>
+        <p:style>
+          <a:lnRef idx="2">
+            <a:schemeClr val="accent1">
+              <a:shade val="50000"/>
+            </a:schemeClr>
+          </a:lnRef>
+          <a:fillRef idx="1">
+            <a:schemeClr val="accent1"/>
+          </a:fillRef>
+          <a:effectRef idx="0">
+            <a:schemeClr val="accent1"/>
+          </a:effectRef>
+          <a:fontRef idx="minor">
+            <a:schemeClr val="lt1"/>
+          </a:fontRef>
+        </p:style>
+        <p:txBody>
+          <a:bodyPr rtlCol="0" anchor="ctr"/>
+          <a:lstStyle/>
+          <a:p>
+            <a:pPr algn="ctr"/>
+            <a:endParaRPr lang="ko-KR" altLang="en-US"/>
+          </a:p>
+        </p:txBody>
+      </p:sp>
       <p:pic>
         <p:nvPicPr>
-          <p:cNvPr id="11" name="그림 10"/>
+          <p:cNvPr id="23" name="그림 22"/>
           <p:cNvPicPr>
             <a:picLocks noChangeAspect="1"/>
           </p:cNvPicPr>
@@ -3264,8 +3500,38 @@
         </p:blipFill>
         <p:spPr>
           <a:xfrm>
-            <a:off x="5133917" y="3402366"/>
-            <a:ext cx="566667" cy="566667"/>
+            <a:off x="8864184" y="3692015"/>
+            <a:ext cx="543697" cy="543697"/>
+          </a:xfrm>
+          <a:prstGeom prst="rect">
+            <a:avLst/>
+          </a:prstGeom>
+        </p:spPr>
+      </p:pic>
+      <p:pic>
+        <p:nvPicPr>
+          <p:cNvPr id="25" name="그림 24"/>
+          <p:cNvPicPr>
+            <a:picLocks noChangeAspect="1"/>
+          </p:cNvPicPr>
+          <p:nvPr/>
+        </p:nvPicPr>
+        <p:blipFill>
+          <a:blip r:embed="rId3" cstate="print">
+            <a:extLst>
+              <a:ext uri="{28A0092B-C50C-407E-A947-70E740481C1C}">
+                <a14:useLocalDpi xmlns:a14="http://schemas.microsoft.com/office/drawing/2010/main" val="0"/>
+              </a:ext>
+            </a:extLst>
+          </a:blip>
+          <a:stretch>
+            <a:fillRect/>
+          </a:stretch>
+        </p:blipFill>
+        <p:spPr>
+          <a:xfrm>
+            <a:off x="3094306" y="3708753"/>
+            <a:ext cx="543697" cy="543697"/>
           </a:xfrm>
           <a:prstGeom prst="rect">
             <a:avLst/>
@@ -3317,7 +3583,7 @@
         </p:nvSpPr>
         <p:spPr>
           <a:xfrm>
-            <a:off x="2718486" y="1198604"/>
+            <a:off x="560172" y="1569307"/>
             <a:ext cx="5400000" cy="2880000"/>
           </a:xfrm>
           <a:prstGeom prst="rect">
@@ -3363,7 +3629,7 @@
         </p:nvSpPr>
         <p:spPr>
           <a:xfrm>
-            <a:off x="3027452" y="1327949"/>
+            <a:off x="869138" y="1698652"/>
             <a:ext cx="4790255" cy="2148419"/>
           </a:xfrm>
           <a:prstGeom prst="rect">
@@ -3409,7 +3675,7 @@
         </p:nvSpPr>
         <p:spPr>
           <a:xfrm rot="5400000" flipH="1">
-            <a:off x="4965353" y="3119592"/>
+            <a:off x="2807039" y="3490295"/>
             <a:ext cx="906262" cy="772040"/>
           </a:xfrm>
           <a:prstGeom prst="rect">
@@ -3455,7 +3721,7 @@
         </p:nvSpPr>
         <p:spPr>
           <a:xfrm flipH="1">
-            <a:off x="4671928" y="3882074"/>
+            <a:off x="2513614" y="4252777"/>
             <a:ext cx="1493112" cy="153338"/>
           </a:xfrm>
           <a:prstGeom prst="rect">
@@ -3501,7 +3767,7 @@
         </p:nvSpPr>
         <p:spPr>
           <a:xfrm flipH="1">
-            <a:off x="3113903" y="1412232"/>
+            <a:off x="955589" y="1782935"/>
             <a:ext cx="4613188" cy="1965282"/>
           </a:xfrm>
           <a:prstGeom prst="rect">
@@ -3551,7 +3817,7 @@
         </p:nvSpPr>
         <p:spPr>
           <a:xfrm>
-            <a:off x="3978876" y="2063578"/>
+            <a:off x="1820562" y="2434281"/>
             <a:ext cx="234778" cy="123568"/>
           </a:xfrm>
           <a:prstGeom prst="ellipse">
@@ -3589,9 +3855,243 @@
           </a:p>
         </p:txBody>
       </p:sp>
+      <p:sp>
+        <p:nvSpPr>
+          <p:cNvPr id="11" name="직사각형 10"/>
+          <p:cNvSpPr/>
+          <p:nvPr/>
+        </p:nvSpPr>
+        <p:spPr>
+          <a:xfrm>
+            <a:off x="6366108" y="1569307"/>
+            <a:ext cx="5400000" cy="2880000"/>
+          </a:xfrm>
+          <a:prstGeom prst="rect">
+            <a:avLst/>
+          </a:prstGeom>
+          <a:solidFill>
+            <a:schemeClr val="tx1"/>
+          </a:solidFill>
+          <a:ln>
+            <a:noFill/>
+          </a:ln>
+        </p:spPr>
+        <p:style>
+          <a:lnRef idx="2">
+            <a:schemeClr val="accent1">
+              <a:shade val="50000"/>
+            </a:schemeClr>
+          </a:lnRef>
+          <a:fillRef idx="1">
+            <a:schemeClr val="accent1"/>
+          </a:fillRef>
+          <a:effectRef idx="0">
+            <a:schemeClr val="accent1"/>
+          </a:effectRef>
+          <a:fontRef idx="minor">
+            <a:schemeClr val="lt1"/>
+          </a:fontRef>
+        </p:style>
+        <p:txBody>
+          <a:bodyPr rtlCol="0" anchor="ctr"/>
+          <a:lstStyle/>
+          <a:p>
+            <a:pPr algn="ctr"/>
+            <a:endParaRPr lang="ko-KR" altLang="en-US"/>
+          </a:p>
+        </p:txBody>
+      </p:sp>
+      <p:sp>
+        <p:nvSpPr>
+          <p:cNvPr id="13" name="직사각형 12"/>
+          <p:cNvSpPr/>
+          <p:nvPr/>
+        </p:nvSpPr>
+        <p:spPr>
+          <a:xfrm>
+            <a:off x="6675074" y="1698652"/>
+            <a:ext cx="4790255" cy="2148419"/>
+          </a:xfrm>
+          <a:prstGeom prst="rect">
+            <a:avLst/>
+          </a:prstGeom>
+          <a:solidFill>
+            <a:srgbClr val="FFFF00"/>
+          </a:solidFill>
+          <a:ln>
+            <a:noFill/>
+          </a:ln>
+        </p:spPr>
+        <p:style>
+          <a:lnRef idx="2">
+            <a:schemeClr val="accent1">
+              <a:shade val="50000"/>
+            </a:schemeClr>
+          </a:lnRef>
+          <a:fillRef idx="1">
+            <a:schemeClr val="accent1"/>
+          </a:fillRef>
+          <a:effectRef idx="0">
+            <a:schemeClr val="accent1"/>
+          </a:effectRef>
+          <a:fontRef idx="minor">
+            <a:schemeClr val="lt1"/>
+          </a:fontRef>
+        </p:style>
+        <p:txBody>
+          <a:bodyPr rtlCol="0" anchor="ctr"/>
+          <a:lstStyle/>
+          <a:p>
+            <a:pPr algn="ctr"/>
+            <a:endParaRPr lang="ko-KR" altLang="en-US" dirty="0"/>
+          </a:p>
+        </p:txBody>
+      </p:sp>
+      <p:sp>
+        <p:nvSpPr>
+          <p:cNvPr id="14" name="직사각형 13"/>
+          <p:cNvSpPr/>
+          <p:nvPr/>
+        </p:nvSpPr>
+        <p:spPr>
+          <a:xfrm rot="5400000" flipH="1">
+            <a:off x="8612975" y="3490295"/>
+            <a:ext cx="906262" cy="772040"/>
+          </a:xfrm>
+          <a:prstGeom prst="rect">
+            <a:avLst/>
+          </a:prstGeom>
+          <a:solidFill>
+            <a:srgbClr val="FFFF00"/>
+          </a:solidFill>
+          <a:ln>
+            <a:noFill/>
+          </a:ln>
+        </p:spPr>
+        <p:style>
+          <a:lnRef idx="2">
+            <a:schemeClr val="accent1">
+              <a:shade val="50000"/>
+            </a:schemeClr>
+          </a:lnRef>
+          <a:fillRef idx="1">
+            <a:schemeClr val="accent1"/>
+          </a:fillRef>
+          <a:effectRef idx="0">
+            <a:schemeClr val="accent1"/>
+          </a:effectRef>
+          <a:fontRef idx="minor">
+            <a:schemeClr val="lt1"/>
+          </a:fontRef>
+        </p:style>
+        <p:txBody>
+          <a:bodyPr rtlCol="0" anchor="ctr"/>
+          <a:lstStyle/>
+          <a:p>
+            <a:pPr algn="ctr"/>
+            <a:endParaRPr lang="ko-KR" altLang="en-US"/>
+          </a:p>
+        </p:txBody>
+      </p:sp>
+      <p:sp>
+        <p:nvSpPr>
+          <p:cNvPr id="15" name="직사각형 14"/>
+          <p:cNvSpPr/>
+          <p:nvPr/>
+        </p:nvSpPr>
+        <p:spPr>
+          <a:xfrm flipH="1">
+            <a:off x="8319550" y="4252777"/>
+            <a:ext cx="1493112" cy="153338"/>
+          </a:xfrm>
+          <a:prstGeom prst="rect">
+            <a:avLst/>
+          </a:prstGeom>
+          <a:solidFill>
+            <a:srgbClr val="FFFF00"/>
+          </a:solidFill>
+          <a:ln>
+            <a:noFill/>
+          </a:ln>
+        </p:spPr>
+        <p:style>
+          <a:lnRef idx="2">
+            <a:schemeClr val="accent1">
+              <a:shade val="50000"/>
+            </a:schemeClr>
+          </a:lnRef>
+          <a:fillRef idx="1">
+            <a:schemeClr val="accent1"/>
+          </a:fillRef>
+          <a:effectRef idx="0">
+            <a:schemeClr val="accent1"/>
+          </a:effectRef>
+          <a:fontRef idx="minor">
+            <a:schemeClr val="lt1"/>
+          </a:fontRef>
+        </p:style>
+        <p:txBody>
+          <a:bodyPr rtlCol="0" anchor="ctr"/>
+          <a:lstStyle/>
+          <a:p>
+            <a:pPr algn="ctr"/>
+            <a:endParaRPr lang="ko-KR" altLang="en-US"/>
+          </a:p>
+        </p:txBody>
+      </p:sp>
+      <p:sp>
+        <p:nvSpPr>
+          <p:cNvPr id="16" name="직사각형 15"/>
+          <p:cNvSpPr/>
+          <p:nvPr/>
+        </p:nvSpPr>
+        <p:spPr>
+          <a:xfrm flipH="1">
+            <a:off x="6761525" y="1782935"/>
+            <a:ext cx="4613188" cy="1965282"/>
+          </a:xfrm>
+          <a:prstGeom prst="rect">
+            <a:avLst/>
+          </a:prstGeom>
+          <a:solidFill>
+            <a:schemeClr val="bg1"/>
+          </a:solidFill>
+          <a:ln>
+            <a:noFill/>
+          </a:ln>
+        </p:spPr>
+        <p:style>
+          <a:lnRef idx="2">
+            <a:schemeClr val="accent1">
+              <a:shade val="50000"/>
+            </a:schemeClr>
+          </a:lnRef>
+          <a:fillRef idx="1">
+            <a:schemeClr val="accent1"/>
+          </a:fillRef>
+          <a:effectRef idx="0">
+            <a:schemeClr val="accent1"/>
+          </a:effectRef>
+          <a:fontRef idx="minor">
+            <a:schemeClr val="lt1"/>
+          </a:fontRef>
+        </p:style>
+        <p:txBody>
+          <a:bodyPr rtlCol="0" anchor="ctr"/>
+          <a:lstStyle/>
+          <a:p>
+            <a:pPr algn="ctr"/>
+            <a:endParaRPr lang="ko-KR" altLang="en-US">
+              <a:solidFill>
+                <a:schemeClr val="bg1"/>
+              </a:solidFill>
+            </a:endParaRPr>
+          </a:p>
+        </p:txBody>
+      </p:sp>
       <p:pic>
         <p:nvPicPr>
-          <p:cNvPr id="12" name="그림 11"/>
+          <p:cNvPr id="25" name="그림 24"/>
           <p:cNvPicPr>
             <a:picLocks noChangeAspect="1"/>
           </p:cNvPicPr>
@@ -3611,8 +4111,38 @@
         </p:blipFill>
         <p:spPr>
           <a:xfrm>
-            <a:off x="5138205" y="3434890"/>
-            <a:ext cx="564378" cy="564378"/>
+            <a:off x="2988321" y="3832500"/>
+            <a:ext cx="543697" cy="543697"/>
+          </a:xfrm>
+          <a:prstGeom prst="rect">
+            <a:avLst/>
+          </a:prstGeom>
+        </p:spPr>
+      </p:pic>
+      <p:pic>
+        <p:nvPicPr>
+          <p:cNvPr id="26" name="그림 25"/>
+          <p:cNvPicPr>
+            <a:picLocks noChangeAspect="1"/>
+          </p:cNvPicPr>
+          <p:nvPr/>
+        </p:nvPicPr>
+        <p:blipFill>
+          <a:blip r:embed="rId3" cstate="print">
+            <a:extLst>
+              <a:ext uri="{28A0092B-C50C-407E-A947-70E740481C1C}">
+                <a14:useLocalDpi xmlns:a14="http://schemas.microsoft.com/office/drawing/2010/main" val="0"/>
+              </a:ext>
+            </a:extLst>
+          </a:blip>
+          <a:stretch>
+            <a:fillRect/>
+          </a:stretch>
+        </p:blipFill>
+        <p:spPr>
+          <a:xfrm>
+            <a:off x="8786970" y="3824083"/>
+            <a:ext cx="543697" cy="543697"/>
           </a:xfrm>
           <a:prstGeom prst="rect">
             <a:avLst/>
@@ -3664,7 +4194,7 @@
         </p:nvSpPr>
         <p:spPr>
           <a:xfrm>
-            <a:off x="2718486" y="1198604"/>
+            <a:off x="325771" y="296149"/>
             <a:ext cx="5400000" cy="2880000"/>
           </a:xfrm>
           <a:prstGeom prst="rect">
@@ -3710,7 +4240,7 @@
         </p:nvSpPr>
         <p:spPr>
           <a:xfrm>
-            <a:off x="3027452" y="1327949"/>
+            <a:off x="634737" y="425494"/>
             <a:ext cx="4790255" cy="2148419"/>
           </a:xfrm>
           <a:prstGeom prst="rect">
@@ -3756,7 +4286,7 @@
         </p:nvSpPr>
         <p:spPr>
           <a:xfrm rot="5400000" flipH="1">
-            <a:off x="4965353" y="3119592"/>
+            <a:off x="2572638" y="2217137"/>
             <a:ext cx="906262" cy="772040"/>
           </a:xfrm>
           <a:prstGeom prst="rect">
@@ -3802,7 +4332,7 @@
         </p:nvSpPr>
         <p:spPr>
           <a:xfrm flipH="1">
-            <a:off x="4671928" y="3882074"/>
+            <a:off x="2279213" y="2979619"/>
             <a:ext cx="1493112" cy="153338"/>
           </a:xfrm>
           <a:prstGeom prst="rect">
@@ -3848,7 +4378,7 @@
         </p:nvSpPr>
         <p:spPr>
           <a:xfrm flipH="1">
-            <a:off x="3113903" y="1412232"/>
+            <a:off x="721188" y="509777"/>
             <a:ext cx="4613188" cy="1965282"/>
           </a:xfrm>
           <a:prstGeom prst="rect">
@@ -3888,20 +4418,20 @@
       </p:sp>
       <p:sp>
         <p:nvSpPr>
-          <p:cNvPr id="10" name="타원 9"/>
+          <p:cNvPr id="11" name="직사각형 10"/>
           <p:cNvSpPr/>
           <p:nvPr/>
         </p:nvSpPr>
         <p:spPr>
           <a:xfrm>
-            <a:off x="3978876" y="2063578"/>
-            <a:ext cx="407773" cy="345990"/>
-          </a:xfrm>
-          <a:prstGeom prst="ellipse">
-            <a:avLst/>
-          </a:prstGeom>
-          <a:solidFill>
-            <a:schemeClr val="accent1"/>
+            <a:off x="6417276" y="296149"/>
+            <a:ext cx="5400000" cy="2880000"/>
+          </a:xfrm>
+          <a:prstGeom prst="rect">
+            <a:avLst/>
+          </a:prstGeom>
+          <a:solidFill>
+            <a:schemeClr val="tx1"/>
           </a:solidFill>
           <a:ln>
             <a:noFill/>
@@ -3932,9 +4462,423 @@
           </a:p>
         </p:txBody>
       </p:sp>
+      <p:sp>
+        <p:nvSpPr>
+          <p:cNvPr id="14" name="직사각형 13"/>
+          <p:cNvSpPr/>
+          <p:nvPr/>
+        </p:nvSpPr>
+        <p:spPr>
+          <a:xfrm>
+            <a:off x="6726242" y="425494"/>
+            <a:ext cx="4790255" cy="2148419"/>
+          </a:xfrm>
+          <a:prstGeom prst="rect">
+            <a:avLst/>
+          </a:prstGeom>
+          <a:solidFill>
+            <a:srgbClr val="FFFF00"/>
+          </a:solidFill>
+          <a:ln>
+            <a:noFill/>
+          </a:ln>
+        </p:spPr>
+        <p:style>
+          <a:lnRef idx="2">
+            <a:schemeClr val="accent1">
+              <a:shade val="50000"/>
+            </a:schemeClr>
+          </a:lnRef>
+          <a:fillRef idx="1">
+            <a:schemeClr val="accent1"/>
+          </a:fillRef>
+          <a:effectRef idx="0">
+            <a:schemeClr val="accent1"/>
+          </a:effectRef>
+          <a:fontRef idx="minor">
+            <a:schemeClr val="lt1"/>
+          </a:fontRef>
+        </p:style>
+        <p:txBody>
+          <a:bodyPr rtlCol="0" anchor="ctr"/>
+          <a:lstStyle/>
+          <a:p>
+            <a:pPr algn="ctr"/>
+            <a:endParaRPr lang="ko-KR" altLang="en-US" dirty="0"/>
+          </a:p>
+        </p:txBody>
+      </p:sp>
+      <p:sp>
+        <p:nvSpPr>
+          <p:cNvPr id="15" name="직사각형 14"/>
+          <p:cNvSpPr/>
+          <p:nvPr/>
+        </p:nvSpPr>
+        <p:spPr>
+          <a:xfrm rot="5400000" flipH="1">
+            <a:off x="8664143" y="2217137"/>
+            <a:ext cx="906262" cy="772040"/>
+          </a:xfrm>
+          <a:prstGeom prst="rect">
+            <a:avLst/>
+          </a:prstGeom>
+          <a:solidFill>
+            <a:srgbClr val="FFFF00"/>
+          </a:solidFill>
+          <a:ln>
+            <a:noFill/>
+          </a:ln>
+        </p:spPr>
+        <p:style>
+          <a:lnRef idx="2">
+            <a:schemeClr val="accent1">
+              <a:shade val="50000"/>
+            </a:schemeClr>
+          </a:lnRef>
+          <a:fillRef idx="1">
+            <a:schemeClr val="accent1"/>
+          </a:fillRef>
+          <a:effectRef idx="0">
+            <a:schemeClr val="accent1"/>
+          </a:effectRef>
+          <a:fontRef idx="minor">
+            <a:schemeClr val="lt1"/>
+          </a:fontRef>
+        </p:style>
+        <p:txBody>
+          <a:bodyPr rtlCol="0" anchor="ctr"/>
+          <a:lstStyle/>
+          <a:p>
+            <a:pPr algn="ctr"/>
+            <a:endParaRPr lang="ko-KR" altLang="en-US"/>
+          </a:p>
+        </p:txBody>
+      </p:sp>
+      <p:sp>
+        <p:nvSpPr>
+          <p:cNvPr id="16" name="직사각형 15"/>
+          <p:cNvSpPr/>
+          <p:nvPr/>
+        </p:nvSpPr>
+        <p:spPr>
+          <a:xfrm flipH="1">
+            <a:off x="8370718" y="2979619"/>
+            <a:ext cx="1493112" cy="153338"/>
+          </a:xfrm>
+          <a:prstGeom prst="rect">
+            <a:avLst/>
+          </a:prstGeom>
+          <a:solidFill>
+            <a:srgbClr val="FFFF00"/>
+          </a:solidFill>
+          <a:ln>
+            <a:noFill/>
+          </a:ln>
+        </p:spPr>
+        <p:style>
+          <a:lnRef idx="2">
+            <a:schemeClr val="accent1">
+              <a:shade val="50000"/>
+            </a:schemeClr>
+          </a:lnRef>
+          <a:fillRef idx="1">
+            <a:schemeClr val="accent1"/>
+          </a:fillRef>
+          <a:effectRef idx="0">
+            <a:schemeClr val="accent1"/>
+          </a:effectRef>
+          <a:fontRef idx="minor">
+            <a:schemeClr val="lt1"/>
+          </a:fontRef>
+        </p:style>
+        <p:txBody>
+          <a:bodyPr rtlCol="0" anchor="ctr"/>
+          <a:lstStyle/>
+          <a:p>
+            <a:pPr algn="ctr"/>
+            <a:endParaRPr lang="ko-KR" altLang="en-US"/>
+          </a:p>
+        </p:txBody>
+      </p:sp>
+      <p:sp>
+        <p:nvSpPr>
+          <p:cNvPr id="17" name="직사각형 16"/>
+          <p:cNvSpPr/>
+          <p:nvPr/>
+        </p:nvSpPr>
+        <p:spPr>
+          <a:xfrm flipH="1">
+            <a:off x="6812693" y="509777"/>
+            <a:ext cx="4613188" cy="1965282"/>
+          </a:xfrm>
+          <a:prstGeom prst="rect">
+            <a:avLst/>
+          </a:prstGeom>
+          <a:solidFill>
+            <a:srgbClr val="00FF00"/>
+          </a:solidFill>
+          <a:ln>
+            <a:noFill/>
+          </a:ln>
+        </p:spPr>
+        <p:style>
+          <a:lnRef idx="2">
+            <a:schemeClr val="accent1">
+              <a:shade val="50000"/>
+            </a:schemeClr>
+          </a:lnRef>
+          <a:fillRef idx="1">
+            <a:schemeClr val="accent1"/>
+          </a:fillRef>
+          <a:effectRef idx="0">
+            <a:schemeClr val="accent1"/>
+          </a:effectRef>
+          <a:fontRef idx="minor">
+            <a:schemeClr val="lt1"/>
+          </a:fontRef>
+        </p:style>
+        <p:txBody>
+          <a:bodyPr rtlCol="0" anchor="ctr"/>
+          <a:lstStyle/>
+          <a:p>
+            <a:pPr algn="ctr"/>
+            <a:endParaRPr lang="ko-KR" altLang="en-US"/>
+          </a:p>
+        </p:txBody>
+      </p:sp>
+      <p:sp>
+        <p:nvSpPr>
+          <p:cNvPr id="19" name="직사각형 18"/>
+          <p:cNvSpPr/>
+          <p:nvPr/>
+        </p:nvSpPr>
+        <p:spPr>
+          <a:xfrm>
+            <a:off x="3122140" y="3538663"/>
+            <a:ext cx="5400000" cy="2880000"/>
+          </a:xfrm>
+          <a:prstGeom prst="rect">
+            <a:avLst/>
+          </a:prstGeom>
+          <a:solidFill>
+            <a:schemeClr val="tx1"/>
+          </a:solidFill>
+          <a:ln>
+            <a:noFill/>
+          </a:ln>
+        </p:spPr>
+        <p:style>
+          <a:lnRef idx="2">
+            <a:schemeClr val="accent1">
+              <a:shade val="50000"/>
+            </a:schemeClr>
+          </a:lnRef>
+          <a:fillRef idx="1">
+            <a:schemeClr val="accent1"/>
+          </a:fillRef>
+          <a:effectRef idx="0">
+            <a:schemeClr val="accent1"/>
+          </a:effectRef>
+          <a:fontRef idx="minor">
+            <a:schemeClr val="lt1"/>
+          </a:fontRef>
+        </p:style>
+        <p:txBody>
+          <a:bodyPr rtlCol="0" anchor="ctr"/>
+          <a:lstStyle/>
+          <a:p>
+            <a:pPr algn="ctr"/>
+            <a:endParaRPr lang="ko-KR" altLang="en-US"/>
+          </a:p>
+        </p:txBody>
+      </p:sp>
+      <p:sp>
+        <p:nvSpPr>
+          <p:cNvPr id="20" name="직사각형 19"/>
+          <p:cNvSpPr/>
+          <p:nvPr/>
+        </p:nvSpPr>
+        <p:spPr>
+          <a:xfrm>
+            <a:off x="3431106" y="3668008"/>
+            <a:ext cx="4790255" cy="2148419"/>
+          </a:xfrm>
+          <a:prstGeom prst="rect">
+            <a:avLst/>
+          </a:prstGeom>
+          <a:solidFill>
+            <a:srgbClr val="FFFF00"/>
+          </a:solidFill>
+          <a:ln>
+            <a:noFill/>
+          </a:ln>
+        </p:spPr>
+        <p:style>
+          <a:lnRef idx="2">
+            <a:schemeClr val="accent1">
+              <a:shade val="50000"/>
+            </a:schemeClr>
+          </a:lnRef>
+          <a:fillRef idx="1">
+            <a:schemeClr val="accent1"/>
+          </a:fillRef>
+          <a:effectRef idx="0">
+            <a:schemeClr val="accent1"/>
+          </a:effectRef>
+          <a:fontRef idx="minor">
+            <a:schemeClr val="lt1"/>
+          </a:fontRef>
+        </p:style>
+        <p:txBody>
+          <a:bodyPr rtlCol="0" anchor="ctr"/>
+          <a:lstStyle/>
+          <a:p>
+            <a:pPr algn="ctr"/>
+            <a:endParaRPr lang="ko-KR" altLang="en-US" dirty="0"/>
+          </a:p>
+        </p:txBody>
+      </p:sp>
+      <p:sp>
+        <p:nvSpPr>
+          <p:cNvPr id="21" name="직사각형 20"/>
+          <p:cNvSpPr/>
+          <p:nvPr/>
+        </p:nvSpPr>
+        <p:spPr>
+          <a:xfrm rot="5400000" flipH="1">
+            <a:off x="5369007" y="5459651"/>
+            <a:ext cx="906262" cy="772040"/>
+          </a:xfrm>
+          <a:prstGeom prst="rect">
+            <a:avLst/>
+          </a:prstGeom>
+          <a:solidFill>
+            <a:srgbClr val="FFFF00"/>
+          </a:solidFill>
+          <a:ln>
+            <a:noFill/>
+          </a:ln>
+        </p:spPr>
+        <p:style>
+          <a:lnRef idx="2">
+            <a:schemeClr val="accent1">
+              <a:shade val="50000"/>
+            </a:schemeClr>
+          </a:lnRef>
+          <a:fillRef idx="1">
+            <a:schemeClr val="accent1"/>
+          </a:fillRef>
+          <a:effectRef idx="0">
+            <a:schemeClr val="accent1"/>
+          </a:effectRef>
+          <a:fontRef idx="minor">
+            <a:schemeClr val="lt1"/>
+          </a:fontRef>
+        </p:style>
+        <p:txBody>
+          <a:bodyPr rtlCol="0" anchor="ctr"/>
+          <a:lstStyle/>
+          <a:p>
+            <a:pPr algn="ctr"/>
+            <a:endParaRPr lang="ko-KR" altLang="en-US"/>
+          </a:p>
+        </p:txBody>
+      </p:sp>
+      <p:sp>
+        <p:nvSpPr>
+          <p:cNvPr id="22" name="직사각형 21"/>
+          <p:cNvSpPr/>
+          <p:nvPr/>
+        </p:nvSpPr>
+        <p:spPr>
+          <a:xfrm flipH="1">
+            <a:off x="5075582" y="6222133"/>
+            <a:ext cx="1493112" cy="153338"/>
+          </a:xfrm>
+          <a:prstGeom prst="rect">
+            <a:avLst/>
+          </a:prstGeom>
+          <a:solidFill>
+            <a:srgbClr val="FFFF00"/>
+          </a:solidFill>
+          <a:ln>
+            <a:noFill/>
+          </a:ln>
+        </p:spPr>
+        <p:style>
+          <a:lnRef idx="2">
+            <a:schemeClr val="accent1">
+              <a:shade val="50000"/>
+            </a:schemeClr>
+          </a:lnRef>
+          <a:fillRef idx="1">
+            <a:schemeClr val="accent1"/>
+          </a:fillRef>
+          <a:effectRef idx="0">
+            <a:schemeClr val="accent1"/>
+          </a:effectRef>
+          <a:fontRef idx="minor">
+            <a:schemeClr val="lt1"/>
+          </a:fontRef>
+        </p:style>
+        <p:txBody>
+          <a:bodyPr rtlCol="0" anchor="ctr"/>
+          <a:lstStyle/>
+          <a:p>
+            <a:pPr algn="ctr"/>
+            <a:endParaRPr lang="ko-KR" altLang="en-US"/>
+          </a:p>
+        </p:txBody>
+      </p:sp>
+      <p:sp>
+        <p:nvSpPr>
+          <p:cNvPr id="23" name="직사각형 22"/>
+          <p:cNvSpPr/>
+          <p:nvPr/>
+        </p:nvSpPr>
+        <p:spPr>
+          <a:xfrm flipH="1">
+            <a:off x="3517557" y="3752291"/>
+            <a:ext cx="4613188" cy="1965282"/>
+          </a:xfrm>
+          <a:prstGeom prst="rect">
+            <a:avLst/>
+          </a:prstGeom>
+          <a:solidFill>
+            <a:srgbClr val="0000FF"/>
+          </a:solidFill>
+          <a:ln>
+            <a:noFill/>
+          </a:ln>
+        </p:spPr>
+        <p:style>
+          <a:lnRef idx="2">
+            <a:schemeClr val="accent1">
+              <a:shade val="50000"/>
+            </a:schemeClr>
+          </a:lnRef>
+          <a:fillRef idx="1">
+            <a:schemeClr val="accent1"/>
+          </a:fillRef>
+          <a:effectRef idx="0">
+            <a:schemeClr val="accent1"/>
+          </a:effectRef>
+          <a:fontRef idx="minor">
+            <a:schemeClr val="lt1"/>
+          </a:fontRef>
+        </p:style>
+        <p:txBody>
+          <a:bodyPr rtlCol="0" anchor="ctr"/>
+          <a:lstStyle/>
+          <a:p>
+            <a:pPr algn="ctr"/>
+            <a:endParaRPr lang="ko-KR" altLang="en-US"/>
+          </a:p>
+        </p:txBody>
+      </p:sp>
       <p:pic>
         <p:nvPicPr>
-          <p:cNvPr id="2" name="그림 1"/>
+          <p:cNvPr id="30" name="그림 29"/>
           <p:cNvPicPr>
             <a:picLocks noChangeAspect="1"/>
           </p:cNvPicPr>
@@ -3954,30 +4898,97 @@
         </p:blipFill>
         <p:spPr>
           <a:xfrm>
-            <a:off x="5137833" y="3439504"/>
-            <a:ext cx="561302" cy="561302"/>
+            <a:off x="5550289" y="5793439"/>
+            <a:ext cx="543697" cy="543697"/>
           </a:xfrm>
           <a:prstGeom prst="rect">
             <a:avLst/>
           </a:prstGeom>
         </p:spPr>
       </p:pic>
-      <p:sp>
-        <p:nvSpPr>
-          <p:cNvPr id="12" name="타원 11"/>
+      <p:pic>
+        <p:nvPicPr>
+          <p:cNvPr id="31" name="그림 30"/>
+          <p:cNvPicPr>
+            <a:picLocks noChangeAspect="1"/>
+          </p:cNvPicPr>
+          <p:nvPr/>
+        </p:nvPicPr>
+        <p:blipFill>
+          <a:blip r:embed="rId3" cstate="print">
+            <a:extLst>
+              <a:ext uri="{28A0092B-C50C-407E-A947-70E740481C1C}">
+                <a14:useLocalDpi xmlns:a14="http://schemas.microsoft.com/office/drawing/2010/main" val="0"/>
+              </a:ext>
+            </a:extLst>
+          </a:blip>
+          <a:stretch>
+            <a:fillRect/>
+          </a:stretch>
+        </p:blipFill>
+        <p:spPr>
+          <a:xfrm>
+            <a:off x="2753920" y="2550925"/>
+            <a:ext cx="543697" cy="543697"/>
+          </a:xfrm>
+          <a:prstGeom prst="rect">
+            <a:avLst/>
+          </a:prstGeom>
+        </p:spPr>
+      </p:pic>
+    </p:spTree>
+    <p:extLst>
+      <p:ext uri="{BB962C8B-B14F-4D97-AF65-F5344CB8AC3E}">
+        <p14:creationId xmlns:p14="http://schemas.microsoft.com/office/powerpoint/2010/main" val="4011144292"/>
+      </p:ext>
+    </p:extLst>
+  </p:cSld>
+  <p:clrMapOvr>
+    <a:masterClrMapping/>
+  </p:clrMapOvr>
+  <p:timing>
+    <p:tnLst>
+      <p:par>
+        <p:cTn id="1" dur="indefinite" restart="never" nodeType="tmRoot"/>
+      </p:par>
+    </p:tnLst>
+  </p:timing>
+</p:sld>
+</file>
+
+<file path=ppt/slides/slide4.xml><?xml version="1.0" encoding="utf-8"?>
+<p:sld xmlns:a="http://schemas.openxmlformats.org/drawingml/2006/main" xmlns:r="http://schemas.openxmlformats.org/officeDocument/2006/relationships" xmlns:p="http://schemas.openxmlformats.org/presentationml/2006/main">
+  <p:cSld>
+    <p:spTree>
+      <p:nvGrpSpPr>
+        <p:cNvPr id="1" name=""/>
+        <p:cNvGrpSpPr/>
+        <p:nvPr/>
+      </p:nvGrpSpPr>
+      <p:grpSpPr>
+        <a:xfrm>
+          <a:off x="0" y="0"/>
+          <a:ext cx="0" cy="0"/>
+          <a:chOff x="0" y="0"/>
+          <a:chExt cx="0" cy="0"/>
+        </a:xfrm>
+      </p:grpSpPr>
+      <p:sp>
+        <p:nvSpPr>
+          <p:cNvPr id="5" name="직사각형 4"/>
           <p:cNvSpPr/>
           <p:nvPr/>
         </p:nvSpPr>
         <p:spPr>
           <a:xfrm>
-            <a:off x="5804504" y="2277250"/>
-            <a:ext cx="407773" cy="345990"/>
-          </a:xfrm>
-          <a:prstGeom prst="ellipse">
-            <a:avLst/>
-          </a:prstGeom>
-          <a:solidFill>
-            <a:schemeClr val="accent6"/>
+            <a:off x="325572" y="339408"/>
+            <a:ext cx="5400000" cy="2880000"/>
+          </a:xfrm>
+          <a:prstGeom prst="rect">
+            <a:avLst/>
+          </a:prstGeom>
+          <a:solidFill>
+            <a:schemeClr val="tx1"/>
           </a:solidFill>
           <a:ln>
             <a:noFill/>
@@ -4010,23 +5021,20 @@
       </p:sp>
       <p:sp>
         <p:nvSpPr>
-          <p:cNvPr id="13" name="타원 12"/>
+          <p:cNvPr id="6" name="직사각형 5"/>
           <p:cNvSpPr/>
           <p:nvPr/>
         </p:nvSpPr>
         <p:spPr>
           <a:xfrm>
-            <a:off x="7056656" y="1626461"/>
-            <a:ext cx="172048" cy="165269"/>
-          </a:xfrm>
-          <a:prstGeom prst="ellipse">
-            <a:avLst/>
-          </a:prstGeom>
-          <a:solidFill>
-            <a:schemeClr val="accent1">
-              <a:lumMod val="60000"/>
-              <a:lumOff val="40000"/>
-            </a:schemeClr>
+            <a:off x="634538" y="468753"/>
+            <a:ext cx="4790255" cy="2148419"/>
+          </a:xfrm>
+          <a:prstGeom prst="rect">
+            <a:avLst/>
+          </a:prstGeom>
+          <a:solidFill>
+            <a:srgbClr val="FFFF00"/>
           </a:solidFill>
           <a:ln>
             <a:noFill/>
@@ -4053,10 +5061,1026 @@
           <a:lstStyle/>
           <a:p>
             <a:pPr algn="ctr"/>
-            <a:endParaRPr lang="ko-KR" altLang="en-US"/>
-          </a:p>
-        </p:txBody>
-      </p:sp>
+            <a:endParaRPr lang="ko-KR" altLang="en-US" dirty="0"/>
+          </a:p>
+        </p:txBody>
+      </p:sp>
+      <p:sp>
+        <p:nvSpPr>
+          <p:cNvPr id="7" name="직사각형 6"/>
+          <p:cNvSpPr/>
+          <p:nvPr/>
+        </p:nvSpPr>
+        <p:spPr>
+          <a:xfrm rot="5400000" flipH="1">
+            <a:off x="2572439" y="2260396"/>
+            <a:ext cx="906262" cy="772040"/>
+          </a:xfrm>
+          <a:prstGeom prst="rect">
+            <a:avLst/>
+          </a:prstGeom>
+          <a:solidFill>
+            <a:srgbClr val="FFFF00"/>
+          </a:solidFill>
+          <a:ln>
+            <a:noFill/>
+          </a:ln>
+        </p:spPr>
+        <p:style>
+          <a:lnRef idx="2">
+            <a:schemeClr val="accent1">
+              <a:shade val="50000"/>
+            </a:schemeClr>
+          </a:lnRef>
+          <a:fillRef idx="1">
+            <a:schemeClr val="accent1"/>
+          </a:fillRef>
+          <a:effectRef idx="0">
+            <a:schemeClr val="accent1"/>
+          </a:effectRef>
+          <a:fontRef idx="minor">
+            <a:schemeClr val="lt1"/>
+          </a:fontRef>
+        </p:style>
+        <p:txBody>
+          <a:bodyPr rtlCol="0" anchor="ctr"/>
+          <a:lstStyle/>
+          <a:p>
+            <a:pPr algn="ctr"/>
+            <a:endParaRPr lang="ko-KR" altLang="en-US"/>
+          </a:p>
+        </p:txBody>
+      </p:sp>
+      <p:sp>
+        <p:nvSpPr>
+          <p:cNvPr id="8" name="직사각형 7"/>
+          <p:cNvSpPr/>
+          <p:nvPr/>
+        </p:nvSpPr>
+        <p:spPr>
+          <a:xfrm flipH="1">
+            <a:off x="2279014" y="3022878"/>
+            <a:ext cx="1493112" cy="153338"/>
+          </a:xfrm>
+          <a:prstGeom prst="rect">
+            <a:avLst/>
+          </a:prstGeom>
+          <a:solidFill>
+            <a:srgbClr val="FFFF00"/>
+          </a:solidFill>
+          <a:ln>
+            <a:noFill/>
+          </a:ln>
+        </p:spPr>
+        <p:style>
+          <a:lnRef idx="2">
+            <a:schemeClr val="accent1">
+              <a:shade val="50000"/>
+            </a:schemeClr>
+          </a:lnRef>
+          <a:fillRef idx="1">
+            <a:schemeClr val="accent1"/>
+          </a:fillRef>
+          <a:effectRef idx="0">
+            <a:schemeClr val="accent1"/>
+          </a:effectRef>
+          <a:fontRef idx="minor">
+            <a:schemeClr val="lt1"/>
+          </a:fontRef>
+        </p:style>
+        <p:txBody>
+          <a:bodyPr rtlCol="0" anchor="ctr"/>
+          <a:lstStyle/>
+          <a:p>
+            <a:pPr algn="ctr"/>
+            <a:endParaRPr lang="ko-KR" altLang="en-US"/>
+          </a:p>
+        </p:txBody>
+      </p:sp>
+      <p:sp>
+        <p:nvSpPr>
+          <p:cNvPr id="9" name="직사각형 8"/>
+          <p:cNvSpPr/>
+          <p:nvPr/>
+        </p:nvSpPr>
+        <p:spPr>
+          <a:xfrm flipH="1">
+            <a:off x="720989" y="553036"/>
+            <a:ext cx="4613188" cy="1965282"/>
+          </a:xfrm>
+          <a:prstGeom prst="rect">
+            <a:avLst/>
+          </a:prstGeom>
+          <a:solidFill>
+            <a:srgbClr val="FF0000"/>
+          </a:solidFill>
+          <a:ln>
+            <a:noFill/>
+          </a:ln>
+        </p:spPr>
+        <p:style>
+          <a:lnRef idx="2">
+            <a:schemeClr val="accent1">
+              <a:shade val="50000"/>
+            </a:schemeClr>
+          </a:lnRef>
+          <a:fillRef idx="1">
+            <a:schemeClr val="accent1"/>
+          </a:fillRef>
+          <a:effectRef idx="0">
+            <a:schemeClr val="accent1"/>
+          </a:effectRef>
+          <a:fontRef idx="minor">
+            <a:schemeClr val="lt1"/>
+          </a:fontRef>
+        </p:style>
+        <p:txBody>
+          <a:bodyPr rtlCol="0" anchor="ctr"/>
+          <a:lstStyle/>
+          <a:p>
+            <a:pPr algn="ctr"/>
+            <a:endParaRPr lang="ko-KR" altLang="en-US"/>
+          </a:p>
+        </p:txBody>
+      </p:sp>
+      <p:sp>
+        <p:nvSpPr>
+          <p:cNvPr id="12" name="타원 11"/>
+          <p:cNvSpPr/>
+          <p:nvPr/>
+        </p:nvSpPr>
+        <p:spPr>
+          <a:xfrm>
+            <a:off x="1622049" y="1237937"/>
+            <a:ext cx="167928" cy="110699"/>
+          </a:xfrm>
+          <a:prstGeom prst="ellipse">
+            <a:avLst/>
+          </a:prstGeom>
+          <a:solidFill>
+            <a:schemeClr val="accent6"/>
+          </a:solidFill>
+          <a:ln>
+            <a:noFill/>
+          </a:ln>
+        </p:spPr>
+        <p:style>
+          <a:lnRef idx="2">
+            <a:schemeClr val="accent1">
+              <a:shade val="50000"/>
+            </a:schemeClr>
+          </a:lnRef>
+          <a:fillRef idx="1">
+            <a:schemeClr val="accent1"/>
+          </a:fillRef>
+          <a:effectRef idx="0">
+            <a:schemeClr val="accent1"/>
+          </a:effectRef>
+          <a:fontRef idx="minor">
+            <a:schemeClr val="lt1"/>
+          </a:fontRef>
+        </p:style>
+        <p:txBody>
+          <a:bodyPr rtlCol="0" anchor="ctr"/>
+          <a:lstStyle/>
+          <a:p>
+            <a:pPr algn="ctr"/>
+            <a:endParaRPr lang="ko-KR" altLang="en-US"/>
+          </a:p>
+        </p:txBody>
+      </p:sp>
+      <p:sp>
+        <p:nvSpPr>
+          <p:cNvPr id="17" name="직사각형 16"/>
+          <p:cNvSpPr/>
+          <p:nvPr/>
+        </p:nvSpPr>
+        <p:spPr>
+          <a:xfrm>
+            <a:off x="6191477" y="339408"/>
+            <a:ext cx="5400000" cy="2880000"/>
+          </a:xfrm>
+          <a:prstGeom prst="rect">
+            <a:avLst/>
+          </a:prstGeom>
+          <a:solidFill>
+            <a:schemeClr val="tx1"/>
+          </a:solidFill>
+          <a:ln>
+            <a:noFill/>
+          </a:ln>
+        </p:spPr>
+        <p:style>
+          <a:lnRef idx="2">
+            <a:schemeClr val="accent1">
+              <a:shade val="50000"/>
+            </a:schemeClr>
+          </a:lnRef>
+          <a:fillRef idx="1">
+            <a:schemeClr val="accent1"/>
+          </a:fillRef>
+          <a:effectRef idx="0">
+            <a:schemeClr val="accent1"/>
+          </a:effectRef>
+          <a:fontRef idx="minor">
+            <a:schemeClr val="lt1"/>
+          </a:fontRef>
+        </p:style>
+        <p:txBody>
+          <a:bodyPr rtlCol="0" anchor="ctr"/>
+          <a:lstStyle/>
+          <a:p>
+            <a:pPr algn="ctr"/>
+            <a:r>
+              <a:rPr lang="en-US" altLang="ko-KR" dirty="0" smtClean="0"/>
+              <a:t>..</a:t>
+            </a:r>
+            <a:endParaRPr lang="ko-KR" altLang="en-US" dirty="0"/>
+          </a:p>
+        </p:txBody>
+      </p:sp>
+      <p:sp>
+        <p:nvSpPr>
+          <p:cNvPr id="18" name="직사각형 17"/>
+          <p:cNvSpPr/>
+          <p:nvPr/>
+        </p:nvSpPr>
+        <p:spPr>
+          <a:xfrm>
+            <a:off x="6500443" y="468753"/>
+            <a:ext cx="4790255" cy="2148419"/>
+          </a:xfrm>
+          <a:prstGeom prst="rect">
+            <a:avLst/>
+          </a:prstGeom>
+          <a:solidFill>
+            <a:srgbClr val="FFFF00"/>
+          </a:solidFill>
+          <a:ln>
+            <a:noFill/>
+          </a:ln>
+        </p:spPr>
+        <p:style>
+          <a:lnRef idx="2">
+            <a:schemeClr val="accent1">
+              <a:shade val="50000"/>
+            </a:schemeClr>
+          </a:lnRef>
+          <a:fillRef idx="1">
+            <a:schemeClr val="accent1"/>
+          </a:fillRef>
+          <a:effectRef idx="0">
+            <a:schemeClr val="accent1"/>
+          </a:effectRef>
+          <a:fontRef idx="minor">
+            <a:schemeClr val="lt1"/>
+          </a:fontRef>
+        </p:style>
+        <p:txBody>
+          <a:bodyPr rtlCol="0" anchor="ctr"/>
+          <a:lstStyle/>
+          <a:p>
+            <a:pPr algn="ctr"/>
+            <a:endParaRPr lang="ko-KR" altLang="en-US" dirty="0"/>
+          </a:p>
+        </p:txBody>
+      </p:sp>
+      <p:sp>
+        <p:nvSpPr>
+          <p:cNvPr id="19" name="직사각형 18"/>
+          <p:cNvSpPr/>
+          <p:nvPr/>
+        </p:nvSpPr>
+        <p:spPr>
+          <a:xfrm rot="5400000" flipH="1">
+            <a:off x="8438344" y="2260396"/>
+            <a:ext cx="906262" cy="772040"/>
+          </a:xfrm>
+          <a:prstGeom prst="rect">
+            <a:avLst/>
+          </a:prstGeom>
+          <a:solidFill>
+            <a:srgbClr val="FFFF00"/>
+          </a:solidFill>
+          <a:ln>
+            <a:noFill/>
+          </a:ln>
+        </p:spPr>
+        <p:style>
+          <a:lnRef idx="2">
+            <a:schemeClr val="accent1">
+              <a:shade val="50000"/>
+            </a:schemeClr>
+          </a:lnRef>
+          <a:fillRef idx="1">
+            <a:schemeClr val="accent1"/>
+          </a:fillRef>
+          <a:effectRef idx="0">
+            <a:schemeClr val="accent1"/>
+          </a:effectRef>
+          <a:fontRef idx="minor">
+            <a:schemeClr val="lt1"/>
+          </a:fontRef>
+        </p:style>
+        <p:txBody>
+          <a:bodyPr rtlCol="0" anchor="ctr"/>
+          <a:lstStyle/>
+          <a:p>
+            <a:pPr algn="ctr"/>
+            <a:endParaRPr lang="ko-KR" altLang="en-US"/>
+          </a:p>
+        </p:txBody>
+      </p:sp>
+      <p:sp>
+        <p:nvSpPr>
+          <p:cNvPr id="20" name="직사각형 19"/>
+          <p:cNvSpPr/>
+          <p:nvPr/>
+        </p:nvSpPr>
+        <p:spPr>
+          <a:xfrm flipH="1">
+            <a:off x="8144919" y="3022878"/>
+            <a:ext cx="1493112" cy="153338"/>
+          </a:xfrm>
+          <a:prstGeom prst="rect">
+            <a:avLst/>
+          </a:prstGeom>
+          <a:solidFill>
+            <a:srgbClr val="FFFF00"/>
+          </a:solidFill>
+          <a:ln>
+            <a:noFill/>
+          </a:ln>
+        </p:spPr>
+        <p:style>
+          <a:lnRef idx="2">
+            <a:schemeClr val="accent1">
+              <a:shade val="50000"/>
+            </a:schemeClr>
+          </a:lnRef>
+          <a:fillRef idx="1">
+            <a:schemeClr val="accent1"/>
+          </a:fillRef>
+          <a:effectRef idx="0">
+            <a:schemeClr val="accent1"/>
+          </a:effectRef>
+          <a:fontRef idx="minor">
+            <a:schemeClr val="lt1"/>
+          </a:fontRef>
+        </p:style>
+        <p:txBody>
+          <a:bodyPr rtlCol="0" anchor="ctr"/>
+          <a:lstStyle/>
+          <a:p>
+            <a:pPr algn="ctr"/>
+            <a:endParaRPr lang="ko-KR" altLang="en-US"/>
+          </a:p>
+        </p:txBody>
+      </p:sp>
+      <p:sp>
+        <p:nvSpPr>
+          <p:cNvPr id="21" name="직사각형 20"/>
+          <p:cNvSpPr/>
+          <p:nvPr/>
+        </p:nvSpPr>
+        <p:spPr>
+          <a:xfrm flipH="1">
+            <a:off x="6586894" y="553036"/>
+            <a:ext cx="4613188" cy="1965282"/>
+          </a:xfrm>
+          <a:prstGeom prst="rect">
+            <a:avLst/>
+          </a:prstGeom>
+          <a:solidFill>
+            <a:srgbClr val="00FF00"/>
+          </a:solidFill>
+          <a:ln>
+            <a:noFill/>
+          </a:ln>
+        </p:spPr>
+        <p:style>
+          <a:lnRef idx="2">
+            <a:schemeClr val="accent1">
+              <a:shade val="50000"/>
+            </a:schemeClr>
+          </a:lnRef>
+          <a:fillRef idx="1">
+            <a:schemeClr val="accent1"/>
+          </a:fillRef>
+          <a:effectRef idx="0">
+            <a:schemeClr val="accent1"/>
+          </a:effectRef>
+          <a:fontRef idx="minor">
+            <a:schemeClr val="lt1"/>
+          </a:fontRef>
+        </p:style>
+        <p:txBody>
+          <a:bodyPr rtlCol="0" anchor="ctr"/>
+          <a:lstStyle/>
+          <a:p>
+            <a:pPr algn="ctr"/>
+            <a:endParaRPr lang="ko-KR" altLang="en-US"/>
+          </a:p>
+        </p:txBody>
+      </p:sp>
+      <p:sp>
+        <p:nvSpPr>
+          <p:cNvPr id="23" name="타원 22"/>
+          <p:cNvSpPr/>
+          <p:nvPr/>
+        </p:nvSpPr>
+        <p:spPr>
+          <a:xfrm>
+            <a:off x="10249560" y="1542962"/>
+            <a:ext cx="172048" cy="165269"/>
+          </a:xfrm>
+          <a:prstGeom prst="ellipse">
+            <a:avLst/>
+          </a:prstGeom>
+          <a:solidFill>
+            <a:srgbClr val="32FFFF"/>
+          </a:solidFill>
+          <a:ln>
+            <a:noFill/>
+          </a:ln>
+        </p:spPr>
+        <p:style>
+          <a:lnRef idx="2">
+            <a:schemeClr val="accent1">
+              <a:shade val="50000"/>
+            </a:schemeClr>
+          </a:lnRef>
+          <a:fillRef idx="1">
+            <a:schemeClr val="accent1"/>
+          </a:fillRef>
+          <a:effectRef idx="0">
+            <a:schemeClr val="accent1"/>
+          </a:effectRef>
+          <a:fontRef idx="minor">
+            <a:schemeClr val="lt1"/>
+          </a:fontRef>
+        </p:style>
+        <p:txBody>
+          <a:bodyPr rtlCol="0" anchor="ctr"/>
+          <a:lstStyle/>
+          <a:p>
+            <a:pPr algn="ctr"/>
+            <a:endParaRPr lang="ko-KR" altLang="en-US"/>
+          </a:p>
+        </p:txBody>
+      </p:sp>
+      <p:sp>
+        <p:nvSpPr>
+          <p:cNvPr id="25" name="직사각형 24"/>
+          <p:cNvSpPr/>
+          <p:nvPr/>
+        </p:nvSpPr>
+        <p:spPr>
+          <a:xfrm>
+            <a:off x="3321420" y="3505253"/>
+            <a:ext cx="5400000" cy="2880000"/>
+          </a:xfrm>
+          <a:prstGeom prst="rect">
+            <a:avLst/>
+          </a:prstGeom>
+          <a:solidFill>
+            <a:schemeClr val="tx1"/>
+          </a:solidFill>
+          <a:ln>
+            <a:noFill/>
+          </a:ln>
+        </p:spPr>
+        <p:style>
+          <a:lnRef idx="2">
+            <a:schemeClr val="accent1">
+              <a:shade val="50000"/>
+            </a:schemeClr>
+          </a:lnRef>
+          <a:fillRef idx="1">
+            <a:schemeClr val="accent1"/>
+          </a:fillRef>
+          <a:effectRef idx="0">
+            <a:schemeClr val="accent1"/>
+          </a:effectRef>
+          <a:fontRef idx="minor">
+            <a:schemeClr val="lt1"/>
+          </a:fontRef>
+        </p:style>
+        <p:txBody>
+          <a:bodyPr rtlCol="0" anchor="ctr"/>
+          <a:lstStyle/>
+          <a:p>
+            <a:pPr algn="ctr"/>
+            <a:endParaRPr lang="ko-KR" altLang="en-US"/>
+          </a:p>
+        </p:txBody>
+      </p:sp>
+      <p:sp>
+        <p:nvSpPr>
+          <p:cNvPr id="26" name="직사각형 25"/>
+          <p:cNvSpPr/>
+          <p:nvPr/>
+        </p:nvSpPr>
+        <p:spPr>
+          <a:xfrm>
+            <a:off x="3630386" y="3634598"/>
+            <a:ext cx="4790255" cy="2148419"/>
+          </a:xfrm>
+          <a:prstGeom prst="rect">
+            <a:avLst/>
+          </a:prstGeom>
+          <a:solidFill>
+            <a:srgbClr val="FFFF00"/>
+          </a:solidFill>
+          <a:ln>
+            <a:noFill/>
+          </a:ln>
+        </p:spPr>
+        <p:style>
+          <a:lnRef idx="2">
+            <a:schemeClr val="accent1">
+              <a:shade val="50000"/>
+            </a:schemeClr>
+          </a:lnRef>
+          <a:fillRef idx="1">
+            <a:schemeClr val="accent1"/>
+          </a:fillRef>
+          <a:effectRef idx="0">
+            <a:schemeClr val="accent1"/>
+          </a:effectRef>
+          <a:fontRef idx="minor">
+            <a:schemeClr val="lt1"/>
+          </a:fontRef>
+        </p:style>
+        <p:txBody>
+          <a:bodyPr rtlCol="0" anchor="ctr"/>
+          <a:lstStyle/>
+          <a:p>
+            <a:pPr algn="ctr"/>
+            <a:endParaRPr lang="ko-KR" altLang="en-US" dirty="0"/>
+          </a:p>
+        </p:txBody>
+      </p:sp>
+      <p:sp>
+        <p:nvSpPr>
+          <p:cNvPr id="27" name="직사각형 26"/>
+          <p:cNvSpPr/>
+          <p:nvPr/>
+        </p:nvSpPr>
+        <p:spPr>
+          <a:xfrm rot="5400000" flipH="1">
+            <a:off x="5568287" y="5426241"/>
+            <a:ext cx="906262" cy="772040"/>
+          </a:xfrm>
+          <a:prstGeom prst="rect">
+            <a:avLst/>
+          </a:prstGeom>
+          <a:solidFill>
+            <a:srgbClr val="FFFF00"/>
+          </a:solidFill>
+          <a:ln>
+            <a:noFill/>
+          </a:ln>
+        </p:spPr>
+        <p:style>
+          <a:lnRef idx="2">
+            <a:schemeClr val="accent1">
+              <a:shade val="50000"/>
+            </a:schemeClr>
+          </a:lnRef>
+          <a:fillRef idx="1">
+            <a:schemeClr val="accent1"/>
+          </a:fillRef>
+          <a:effectRef idx="0">
+            <a:schemeClr val="accent1"/>
+          </a:effectRef>
+          <a:fontRef idx="minor">
+            <a:schemeClr val="lt1"/>
+          </a:fontRef>
+        </p:style>
+        <p:txBody>
+          <a:bodyPr rtlCol="0" anchor="ctr"/>
+          <a:lstStyle/>
+          <a:p>
+            <a:pPr algn="ctr"/>
+            <a:endParaRPr lang="ko-KR" altLang="en-US"/>
+          </a:p>
+        </p:txBody>
+      </p:sp>
+      <p:sp>
+        <p:nvSpPr>
+          <p:cNvPr id="28" name="직사각형 27"/>
+          <p:cNvSpPr/>
+          <p:nvPr/>
+        </p:nvSpPr>
+        <p:spPr>
+          <a:xfrm flipH="1">
+            <a:off x="5274862" y="6188723"/>
+            <a:ext cx="1493112" cy="153338"/>
+          </a:xfrm>
+          <a:prstGeom prst="rect">
+            <a:avLst/>
+          </a:prstGeom>
+          <a:solidFill>
+            <a:srgbClr val="FFFF00"/>
+          </a:solidFill>
+          <a:ln>
+            <a:noFill/>
+          </a:ln>
+        </p:spPr>
+        <p:style>
+          <a:lnRef idx="2">
+            <a:schemeClr val="accent1">
+              <a:shade val="50000"/>
+            </a:schemeClr>
+          </a:lnRef>
+          <a:fillRef idx="1">
+            <a:schemeClr val="accent1"/>
+          </a:fillRef>
+          <a:effectRef idx="0">
+            <a:schemeClr val="accent1"/>
+          </a:effectRef>
+          <a:fontRef idx="minor">
+            <a:schemeClr val="lt1"/>
+          </a:fontRef>
+        </p:style>
+        <p:txBody>
+          <a:bodyPr rtlCol="0" anchor="ctr"/>
+          <a:lstStyle/>
+          <a:p>
+            <a:pPr algn="ctr"/>
+            <a:endParaRPr lang="ko-KR" altLang="en-US"/>
+          </a:p>
+        </p:txBody>
+      </p:sp>
+      <p:sp>
+        <p:nvSpPr>
+          <p:cNvPr id="29" name="직사각형 28"/>
+          <p:cNvSpPr/>
+          <p:nvPr/>
+        </p:nvSpPr>
+        <p:spPr>
+          <a:xfrm flipH="1">
+            <a:off x="3716837" y="3718881"/>
+            <a:ext cx="4613188" cy="1965282"/>
+          </a:xfrm>
+          <a:prstGeom prst="rect">
+            <a:avLst/>
+          </a:prstGeom>
+          <a:solidFill>
+            <a:srgbClr val="0000FF"/>
+          </a:solidFill>
+          <a:ln>
+            <a:noFill/>
+          </a:ln>
+        </p:spPr>
+        <p:style>
+          <a:lnRef idx="2">
+            <a:schemeClr val="accent1">
+              <a:shade val="50000"/>
+            </a:schemeClr>
+          </a:lnRef>
+          <a:fillRef idx="1">
+            <a:schemeClr val="accent1"/>
+          </a:fillRef>
+          <a:effectRef idx="0">
+            <a:schemeClr val="accent1"/>
+          </a:effectRef>
+          <a:fontRef idx="minor">
+            <a:schemeClr val="lt1"/>
+          </a:fontRef>
+        </p:style>
+        <p:txBody>
+          <a:bodyPr rtlCol="0" anchor="ctr"/>
+          <a:lstStyle/>
+          <a:p>
+            <a:pPr algn="ctr"/>
+            <a:endParaRPr lang="ko-KR" altLang="en-US"/>
+          </a:p>
+        </p:txBody>
+      </p:sp>
+      <p:sp>
+        <p:nvSpPr>
+          <p:cNvPr id="31" name="타원 30"/>
+          <p:cNvSpPr/>
+          <p:nvPr/>
+        </p:nvSpPr>
+        <p:spPr>
+          <a:xfrm>
+            <a:off x="4517118" y="4347807"/>
+            <a:ext cx="172048" cy="165269"/>
+          </a:xfrm>
+          <a:prstGeom prst="ellipse">
+            <a:avLst/>
+          </a:prstGeom>
+          <a:solidFill>
+            <a:srgbClr val="FF00FF"/>
+          </a:solidFill>
+          <a:ln>
+            <a:noFill/>
+          </a:ln>
+        </p:spPr>
+        <p:style>
+          <a:lnRef idx="2">
+            <a:schemeClr val="accent1">
+              <a:shade val="50000"/>
+            </a:schemeClr>
+          </a:lnRef>
+          <a:fillRef idx="1">
+            <a:schemeClr val="accent1"/>
+          </a:fillRef>
+          <a:effectRef idx="0">
+            <a:schemeClr val="accent1"/>
+          </a:effectRef>
+          <a:fontRef idx="minor">
+            <a:schemeClr val="lt1"/>
+          </a:fontRef>
+        </p:style>
+        <p:txBody>
+          <a:bodyPr rtlCol="0" anchor="ctr"/>
+          <a:lstStyle/>
+          <a:p>
+            <a:pPr algn="ctr"/>
+            <a:endParaRPr lang="ko-KR" altLang="en-US"/>
+          </a:p>
+        </p:txBody>
+      </p:sp>
+      <p:sp>
+        <p:nvSpPr>
+          <p:cNvPr id="33" name="타원 32"/>
+          <p:cNvSpPr/>
+          <p:nvPr/>
+        </p:nvSpPr>
+        <p:spPr>
+          <a:xfrm>
+            <a:off x="7016734" y="849056"/>
+            <a:ext cx="172048" cy="165269"/>
+          </a:xfrm>
+          <a:prstGeom prst="ellipse">
+            <a:avLst/>
+          </a:prstGeom>
+          <a:solidFill>
+            <a:schemeClr val="accent2">
+              <a:lumMod val="75000"/>
+            </a:schemeClr>
+          </a:solidFill>
+          <a:ln>
+            <a:noFill/>
+          </a:ln>
+        </p:spPr>
+        <p:style>
+          <a:lnRef idx="2">
+            <a:schemeClr val="accent1">
+              <a:shade val="50000"/>
+            </a:schemeClr>
+          </a:lnRef>
+          <a:fillRef idx="1">
+            <a:schemeClr val="accent1"/>
+          </a:fillRef>
+          <a:effectRef idx="0">
+            <a:schemeClr val="accent1"/>
+          </a:effectRef>
+          <a:fontRef idx="minor">
+            <a:schemeClr val="lt1"/>
+          </a:fontRef>
+        </p:style>
+        <p:txBody>
+          <a:bodyPr rtlCol="0" anchor="ctr"/>
+          <a:lstStyle/>
+          <a:p>
+            <a:pPr algn="ctr"/>
+            <a:endParaRPr lang="ko-KR" altLang="en-US"/>
+          </a:p>
+        </p:txBody>
+      </p:sp>
+      <p:sp>
+        <p:nvSpPr>
+          <p:cNvPr id="34" name="타원 33"/>
+          <p:cNvSpPr/>
+          <p:nvPr/>
+        </p:nvSpPr>
+        <p:spPr>
+          <a:xfrm>
+            <a:off x="8410469" y="1951347"/>
+            <a:ext cx="172048" cy="165269"/>
+          </a:xfrm>
+          <a:prstGeom prst="ellipse">
+            <a:avLst/>
+          </a:prstGeom>
+          <a:solidFill>
+            <a:schemeClr val="tx1"/>
+          </a:solidFill>
+          <a:ln>
+            <a:noFill/>
+          </a:ln>
+        </p:spPr>
+        <p:style>
+          <a:lnRef idx="2">
+            <a:schemeClr val="accent1">
+              <a:shade val="50000"/>
+            </a:schemeClr>
+          </a:lnRef>
+          <a:fillRef idx="1">
+            <a:schemeClr val="accent1"/>
+          </a:fillRef>
+          <a:effectRef idx="0">
+            <a:schemeClr val="accent1"/>
+          </a:effectRef>
+          <a:fontRef idx="minor">
+            <a:schemeClr val="lt1"/>
+          </a:fontRef>
+        </p:style>
+        <p:txBody>
+          <a:bodyPr rtlCol="0" anchor="ctr"/>
+          <a:lstStyle/>
+          <a:p>
+            <a:pPr algn="ctr"/>
+            <a:endParaRPr lang="ko-KR" altLang="en-US"/>
+          </a:p>
+        </p:txBody>
+      </p:sp>
+      <p:sp>
+        <p:nvSpPr>
+          <p:cNvPr id="35" name="타원 34"/>
+          <p:cNvSpPr/>
+          <p:nvPr/>
+        </p:nvSpPr>
+        <p:spPr>
+          <a:xfrm>
+            <a:off x="6767974" y="4945253"/>
+            <a:ext cx="172048" cy="165269"/>
+          </a:xfrm>
+          <a:prstGeom prst="ellipse">
+            <a:avLst/>
+          </a:prstGeom>
+          <a:solidFill>
+            <a:srgbClr val="00FF00"/>
+          </a:solidFill>
+          <a:ln>
+            <a:noFill/>
+          </a:ln>
+        </p:spPr>
+        <p:style>
+          <a:lnRef idx="2">
+            <a:schemeClr val="accent1">
+              <a:shade val="50000"/>
+            </a:schemeClr>
+          </a:lnRef>
+          <a:fillRef idx="1">
+            <a:schemeClr val="accent1"/>
+          </a:fillRef>
+          <a:effectRef idx="0">
+            <a:schemeClr val="accent1"/>
+          </a:effectRef>
+          <a:fontRef idx="minor">
+            <a:schemeClr val="lt1"/>
+          </a:fontRef>
+        </p:style>
+        <p:txBody>
+          <a:bodyPr rtlCol="0" anchor="ctr"/>
+          <a:lstStyle/>
+          <a:p>
+            <a:pPr algn="ctr"/>
+            <a:endParaRPr lang="ko-KR" altLang="en-US"/>
+          </a:p>
+        </p:txBody>
+      </p:sp>
+      <p:sp>
+        <p:nvSpPr>
+          <p:cNvPr id="36" name="타원 35"/>
+          <p:cNvSpPr/>
+          <p:nvPr/>
+        </p:nvSpPr>
+        <p:spPr>
+          <a:xfrm>
+            <a:off x="3595341" y="1432263"/>
+            <a:ext cx="167928" cy="110699"/>
+          </a:xfrm>
+          <a:prstGeom prst="ellipse">
+            <a:avLst/>
+          </a:prstGeom>
+          <a:solidFill>
+            <a:schemeClr val="bg1"/>
+          </a:solidFill>
+          <a:ln>
+            <a:noFill/>
+          </a:ln>
+        </p:spPr>
+        <p:style>
+          <a:lnRef idx="2">
+            <a:schemeClr val="accent1">
+              <a:shade val="50000"/>
+            </a:schemeClr>
+          </a:lnRef>
+          <a:fillRef idx="1">
+            <a:schemeClr val="accent1"/>
+          </a:fillRef>
+          <a:effectRef idx="0">
+            <a:schemeClr val="accent1"/>
+          </a:effectRef>
+          <a:fontRef idx="minor">
+            <a:schemeClr val="lt1"/>
+          </a:fontRef>
+        </p:style>
+        <p:txBody>
+          <a:bodyPr rtlCol="0" anchor="ctr"/>
+          <a:lstStyle/>
+          <a:p>
+            <a:pPr algn="ctr"/>
+            <a:endParaRPr lang="ko-KR" altLang="en-US"/>
+          </a:p>
+        </p:txBody>
+      </p:sp>
+      <p:pic>
+        <p:nvPicPr>
+          <p:cNvPr id="37" name="그림 36"/>
+          <p:cNvPicPr>
+            <a:picLocks noChangeAspect="1"/>
+          </p:cNvPicPr>
+          <p:nvPr/>
+        </p:nvPicPr>
+        <p:blipFill>
+          <a:blip r:embed="rId2" cstate="print">
+            <a:extLst>
+              <a:ext uri="{28A0092B-C50C-407E-A947-70E740481C1C}">
+                <a14:useLocalDpi xmlns:a14="http://schemas.microsoft.com/office/drawing/2010/main" val="0"/>
+              </a:ext>
+            </a:extLst>
+          </a:blip>
+          <a:stretch>
+            <a:fillRect/>
+          </a:stretch>
+        </p:blipFill>
+        <p:spPr>
+          <a:xfrm>
+            <a:off x="8619626" y="2577445"/>
+            <a:ext cx="543697" cy="543697"/>
+          </a:xfrm>
+          <a:prstGeom prst="rect">
+            <a:avLst/>
+          </a:prstGeom>
+        </p:spPr>
+      </p:pic>
+      <p:pic>
+        <p:nvPicPr>
+          <p:cNvPr id="38" name="그림 37"/>
+          <p:cNvPicPr>
+            <a:picLocks noChangeAspect="1"/>
+          </p:cNvPicPr>
+          <p:nvPr/>
+        </p:nvPicPr>
+        <p:blipFill>
+          <a:blip r:embed="rId3" cstate="print">
+            <a:extLst>
+              <a:ext uri="{28A0092B-C50C-407E-A947-70E740481C1C}">
+                <a14:useLocalDpi xmlns:a14="http://schemas.microsoft.com/office/drawing/2010/main" val="0"/>
+              </a:ext>
+            </a:extLst>
+          </a:blip>
+          <a:stretch>
+            <a:fillRect/>
+          </a:stretch>
+        </p:blipFill>
+        <p:spPr>
+          <a:xfrm>
+            <a:off x="5749569" y="5743291"/>
+            <a:ext cx="543697" cy="543697"/>
+          </a:xfrm>
+          <a:prstGeom prst="rect">
+            <a:avLst/>
+          </a:prstGeom>
+        </p:spPr>
+      </p:pic>
+      <p:pic>
+        <p:nvPicPr>
+          <p:cNvPr id="39" name="그림 38"/>
+          <p:cNvPicPr>
+            <a:picLocks noChangeAspect="1"/>
+          </p:cNvPicPr>
+          <p:nvPr/>
+        </p:nvPicPr>
+        <p:blipFill>
+          <a:blip r:embed="rId4" cstate="print">
+            <a:extLst>
+              <a:ext uri="{28A0092B-C50C-407E-A947-70E740481C1C}">
+                <a14:useLocalDpi xmlns:a14="http://schemas.microsoft.com/office/drawing/2010/main" val="0"/>
+              </a:ext>
+            </a:extLst>
+          </a:blip>
+          <a:stretch>
+            <a:fillRect/>
+          </a:stretch>
+        </p:blipFill>
+        <p:spPr>
+          <a:xfrm>
+            <a:off x="2753721" y="2601776"/>
+            <a:ext cx="543697" cy="543697"/>
+          </a:xfrm>
+          <a:prstGeom prst="rect">
+            <a:avLst/>
+          </a:prstGeom>
+        </p:spPr>
+      </p:pic>
     </p:spTree>
     <p:extLst>
       <p:ext uri="{BB962C8B-B14F-4D97-AF65-F5344CB8AC3E}">
